--- a/DATA601/Project/20250213_Project Presentation.pptx
+++ b/DATA601/Project/20250213_Project Presentation.pptx
@@ -5,7 +5,7 @@
     <p:sldMasterId id="2147483648" r:id="rId4"/>
   </p:sldMasterIdLst>
   <p:notesMasterIdLst>
-    <p:notesMasterId r:id="rId25"/>
+    <p:notesMasterId r:id="rId26"/>
   </p:notesMasterIdLst>
   <p:sldIdLst>
     <p:sldId id="256" r:id="rId5"/>
@@ -18,16 +18,17 @@
     <p:sldId id="267" r:id="rId12"/>
     <p:sldId id="268" r:id="rId13"/>
     <p:sldId id="266" r:id="rId14"/>
-    <p:sldId id="269" r:id="rId15"/>
-    <p:sldId id="270" r:id="rId16"/>
-    <p:sldId id="271" r:id="rId17"/>
-    <p:sldId id="272" r:id="rId18"/>
-    <p:sldId id="273" r:id="rId19"/>
-    <p:sldId id="274" r:id="rId20"/>
-    <p:sldId id="275" r:id="rId21"/>
-    <p:sldId id="276" r:id="rId22"/>
-    <p:sldId id="260" r:id="rId23"/>
-    <p:sldId id="261" r:id="rId24"/>
+    <p:sldId id="278" r:id="rId15"/>
+    <p:sldId id="269" r:id="rId16"/>
+    <p:sldId id="270" r:id="rId17"/>
+    <p:sldId id="271" r:id="rId18"/>
+    <p:sldId id="272" r:id="rId19"/>
+    <p:sldId id="273" r:id="rId20"/>
+    <p:sldId id="274" r:id="rId21"/>
+    <p:sldId id="275" r:id="rId22"/>
+    <p:sldId id="276" r:id="rId23"/>
+    <p:sldId id="260" r:id="rId24"/>
+    <p:sldId id="261" r:id="rId25"/>
   </p:sldIdLst>
   <p:sldSz cx="12192000" cy="6858000"/>
   <p:notesSz cx="6858000" cy="9144000"/>
@@ -227,7 +228,7 @@
           <a:p>
             <a:fld id="{4B2CACE1-0839-DD4E-8A8D-815B08AED9A4}" type="datetimeFigureOut">
               <a:rPr lang="en-US" smtClean="0"/>
-              <a:t>2025-02-13</a:t>
+              <a:t>2/13/2025</a:t>
             </a:fld>
             <a:endParaRPr lang="en-US"/>
           </a:p>
@@ -2541,7 +2542,12 @@
             <p:ph type="ctrTitle"/>
           </p:nvPr>
         </p:nvSpPr>
-        <p:spPr/>
+        <p:spPr>
+          <a:xfrm>
+            <a:off x="1578279" y="1558624"/>
+            <a:ext cx="7841294" cy="2342688"/>
+          </a:xfrm>
+        </p:spPr>
         <p:txBody>
           <a:bodyPr/>
           <a:lstStyle/>
@@ -2569,7 +2575,12 @@
             <p:ph type="subTitle" idx="1"/>
           </p:nvPr>
         </p:nvSpPr>
-        <p:spPr/>
+        <p:spPr>
+          <a:xfrm>
+            <a:off x="1578279" y="4017803"/>
+            <a:ext cx="7841294" cy="714931"/>
+          </a:xfrm>
+        </p:spPr>
         <p:txBody>
           <a:bodyPr/>
           <a:lstStyle/>
@@ -2597,7 +2608,12 @@
             <p:ph type="body" sz="quarter" idx="10"/>
           </p:nvPr>
         </p:nvSpPr>
-        <p:spPr/>
+        <p:spPr>
+          <a:xfrm>
+            <a:off x="1578279" y="4732734"/>
+            <a:ext cx="7841294" cy="1125689"/>
+          </a:xfrm>
+        </p:spPr>
         <p:txBody>
           <a:bodyPr/>
           <a:lstStyle/>
@@ -2645,7 +2661,12 @@
             <p:ph type="body" sz="quarter" idx="11"/>
           </p:nvPr>
         </p:nvSpPr>
-        <p:spPr/>
+        <p:spPr>
+          <a:xfrm>
+            <a:off x="1578279" y="5887375"/>
+            <a:ext cx="6586081" cy="521874"/>
+          </a:xfrm>
+        </p:spPr>
         <p:txBody>
           <a:bodyPr/>
           <a:lstStyle/>
@@ -2709,7 +2730,12 @@
             <p:ph type="title"/>
           </p:nvPr>
         </p:nvSpPr>
-        <p:spPr/>
+        <p:spPr>
+          <a:xfrm>
+            <a:off x="562628" y="245726"/>
+            <a:ext cx="9724372" cy="1033398"/>
+          </a:xfrm>
+        </p:spPr>
         <p:txBody>
           <a:bodyPr/>
           <a:lstStyle/>
@@ -2769,7 +2795,7 @@
         </p:nvSpPr>
         <p:spPr>
           <a:xfrm>
-            <a:off x="613428" y="1217119"/>
+            <a:off x="924937" y="1037309"/>
             <a:ext cx="6142972" cy="1776455"/>
           </a:xfrm>
         </p:spPr>
@@ -2803,6 +2829,449 @@
                 </a:schemeClr>
               </a:solidFill>
             </a:endParaRPr>
+          </a:p>
+        </p:txBody>
+      </p:sp>
+      <p:pic>
+        <p:nvPicPr>
+          <p:cNvPr id="5" name="Picture 4">
+            <a:extLst>
+              <a:ext uri="{FF2B5EF4-FFF2-40B4-BE49-F238E27FC236}">
+                <a16:creationId xmlns:a16="http://schemas.microsoft.com/office/drawing/2014/main" id="{F314E9C6-B2C1-0634-29AF-6E5A945D582E}"/>
+              </a:ext>
+            </a:extLst>
+          </p:cNvPr>
+          <p:cNvPicPr>
+            <a:picLocks noChangeAspect="1"/>
+          </p:cNvPicPr>
+          <p:nvPr/>
+        </p:nvPicPr>
+        <p:blipFill>
+          <a:blip r:embed="rId2"/>
+          <a:stretch>
+            <a:fillRect/>
+          </a:stretch>
+        </p:blipFill>
+        <p:spPr>
+          <a:xfrm>
+            <a:off x="809994" y="4297829"/>
+            <a:ext cx="3574987" cy="2265271"/>
+          </a:xfrm>
+          <a:prstGeom prst="rect">
+            <a:avLst/>
+          </a:prstGeom>
+        </p:spPr>
+      </p:pic>
+      <p:pic>
+        <p:nvPicPr>
+          <p:cNvPr id="7" name="Picture 6">
+            <a:extLst>
+              <a:ext uri="{FF2B5EF4-FFF2-40B4-BE49-F238E27FC236}">
+                <a16:creationId xmlns:a16="http://schemas.microsoft.com/office/drawing/2014/main" id="{8F374207-2330-EBAD-87DF-01D6D85BBBDA}"/>
+              </a:ext>
+            </a:extLst>
+          </p:cNvPr>
+          <p:cNvPicPr>
+            <a:picLocks noChangeAspect="1"/>
+          </p:cNvPicPr>
+          <p:nvPr/>
+        </p:nvPicPr>
+        <p:blipFill>
+          <a:blip r:embed="rId3"/>
+          <a:stretch>
+            <a:fillRect/>
+          </a:stretch>
+        </p:blipFill>
+        <p:spPr>
+          <a:xfrm>
+            <a:off x="441821" y="1279124"/>
+            <a:ext cx="4311334" cy="2934040"/>
+          </a:xfrm>
+          <a:prstGeom prst="rect">
+            <a:avLst/>
+          </a:prstGeom>
+        </p:spPr>
+      </p:pic>
+      <p:sp>
+        <p:nvSpPr>
+          <p:cNvPr id="8" name="TextBox 7">
+            <a:extLst>
+              <a:ext uri="{FF2B5EF4-FFF2-40B4-BE49-F238E27FC236}">
+                <a16:creationId xmlns:a16="http://schemas.microsoft.com/office/drawing/2014/main" id="{AB60192B-19B7-1EFC-4454-718707B2F270}"/>
+              </a:ext>
+            </a:extLst>
+          </p:cNvPr>
+          <p:cNvSpPr txBox="1"/>
+          <p:nvPr/>
+        </p:nvSpPr>
+        <p:spPr>
+          <a:xfrm>
+            <a:off x="5513617" y="1625318"/>
+            <a:ext cx="5868389" cy="3960058"/>
+          </a:xfrm>
+          <a:prstGeom prst="rect">
+            <a:avLst/>
+          </a:prstGeom>
+          <a:noFill/>
+        </p:spPr>
+        <p:txBody>
+          <a:bodyPr wrap="square" rtlCol="0">
+            <a:spAutoFit/>
+          </a:bodyPr>
+          <a:lstStyle/>
+          <a:p>
+            <a:pPr>
+              <a:lnSpc>
+                <a:spcPts val="1425"/>
+              </a:lnSpc>
+            </a:pPr>
+            <a:r>
+              <a:rPr lang="en-CA" sz="1400" b="1" dirty="0">
+                <a:effectLst/>
+                <a:latin typeface="system-ui"/>
+              </a:rPr>
+              <a:t>Q1</a:t>
+            </a:r>
+            <a:r>
+              <a:rPr lang="en-CA" sz="1400" b="0" dirty="0">
+                <a:effectLst/>
+                <a:latin typeface="system-ui"/>
+              </a:rPr>
+              <a:t> (</a:t>
+            </a:r>
+            <a:r>
+              <a:rPr lang="en-CA" sz="1400" b="1" dirty="0">
+                <a:effectLst/>
+                <a:latin typeface="system-ui"/>
+              </a:rPr>
+              <a:t>January</a:t>
+            </a:r>
+            <a:r>
+              <a:rPr lang="en-CA" sz="1400" b="0" dirty="0">
+                <a:effectLst/>
+                <a:latin typeface="system-ui"/>
+              </a:rPr>
+              <a:t> - </a:t>
+            </a:r>
+            <a:r>
+              <a:rPr lang="en-CA" sz="1400" b="1" dirty="0">
+                <a:effectLst/>
+                <a:latin typeface="system-ui"/>
+              </a:rPr>
+              <a:t>March</a:t>
+            </a:r>
+            <a:r>
+              <a:rPr lang="en-CA" sz="1400" b="0" dirty="0">
+                <a:effectLst/>
+                <a:latin typeface="system-ui"/>
+              </a:rPr>
+              <a:t>): Winter (cold, snow, shorter daylight hours)</a:t>
+            </a:r>
+          </a:p>
+          <a:p>
+            <a:pPr>
+              <a:lnSpc>
+                <a:spcPts val="1425"/>
+              </a:lnSpc>
+            </a:pPr>
+            <a:br>
+              <a:rPr lang="en-CA" sz="1400" b="0" dirty="0">
+                <a:effectLst/>
+                <a:latin typeface="system-ui"/>
+              </a:rPr>
+            </a:br>
+            <a:r>
+              <a:rPr lang="en-CA" sz="1400" b="1" dirty="0">
+                <a:effectLst/>
+                <a:latin typeface="system-ui"/>
+              </a:rPr>
+              <a:t>Q2</a:t>
+            </a:r>
+            <a:r>
+              <a:rPr lang="en-CA" sz="1400" b="0" dirty="0">
+                <a:effectLst/>
+                <a:latin typeface="system-ui"/>
+              </a:rPr>
+              <a:t> (</a:t>
+            </a:r>
+            <a:r>
+              <a:rPr lang="en-CA" sz="1400" b="1" dirty="0">
+                <a:effectLst/>
+                <a:latin typeface="system-ui"/>
+              </a:rPr>
+              <a:t>April</a:t>
+            </a:r>
+            <a:r>
+              <a:rPr lang="en-CA" sz="1400" b="0" dirty="0">
+                <a:effectLst/>
+                <a:latin typeface="system-ui"/>
+              </a:rPr>
+              <a:t> - </a:t>
+            </a:r>
+            <a:r>
+              <a:rPr lang="en-CA" sz="1400" b="1" dirty="0">
+                <a:effectLst/>
+                <a:latin typeface="system-ui"/>
+              </a:rPr>
+              <a:t>June</a:t>
+            </a:r>
+            <a:r>
+              <a:rPr lang="en-CA" sz="1400" b="0" dirty="0">
+                <a:effectLst/>
+                <a:latin typeface="system-ui"/>
+              </a:rPr>
+              <a:t>): Spring (mild, transitioning to warmer weather)</a:t>
+            </a:r>
+          </a:p>
+          <a:p>
+            <a:pPr>
+              <a:lnSpc>
+                <a:spcPts val="1425"/>
+              </a:lnSpc>
+            </a:pPr>
+            <a:br>
+              <a:rPr lang="en-CA" sz="1400" b="0" dirty="0">
+                <a:effectLst/>
+                <a:latin typeface="system-ui"/>
+              </a:rPr>
+            </a:br>
+            <a:r>
+              <a:rPr lang="en-CA" sz="1400" b="1" dirty="0">
+                <a:effectLst/>
+                <a:latin typeface="system-ui"/>
+              </a:rPr>
+              <a:t>Q3</a:t>
+            </a:r>
+            <a:r>
+              <a:rPr lang="en-CA" sz="1400" b="0" dirty="0">
+                <a:effectLst/>
+                <a:latin typeface="system-ui"/>
+              </a:rPr>
+              <a:t> (</a:t>
+            </a:r>
+            <a:r>
+              <a:rPr lang="en-CA" sz="1400" b="1" dirty="0">
+                <a:effectLst/>
+                <a:latin typeface="system-ui"/>
+              </a:rPr>
+              <a:t>July</a:t>
+            </a:r>
+            <a:r>
+              <a:rPr lang="en-CA" sz="1400" b="0" dirty="0">
+                <a:effectLst/>
+                <a:latin typeface="system-ui"/>
+              </a:rPr>
+              <a:t> - </a:t>
+            </a:r>
+            <a:r>
+              <a:rPr lang="en-CA" sz="1400" b="1" dirty="0">
+                <a:effectLst/>
+                <a:latin typeface="system-ui"/>
+              </a:rPr>
+              <a:t>September</a:t>
+            </a:r>
+            <a:r>
+              <a:rPr lang="en-CA" sz="1400" b="0" dirty="0">
+                <a:effectLst/>
+                <a:latin typeface="system-ui"/>
+              </a:rPr>
+              <a:t>): Summer (warmest, longer daylight hours)</a:t>
+            </a:r>
+          </a:p>
+          <a:p>
+            <a:pPr>
+              <a:lnSpc>
+                <a:spcPts val="1425"/>
+              </a:lnSpc>
+            </a:pPr>
+            <a:br>
+              <a:rPr lang="en-CA" sz="1400" b="0" dirty="0">
+                <a:effectLst/>
+                <a:latin typeface="system-ui"/>
+              </a:rPr>
+            </a:br>
+            <a:r>
+              <a:rPr lang="en-CA" sz="1400" b="1" dirty="0">
+                <a:effectLst/>
+                <a:latin typeface="system-ui"/>
+              </a:rPr>
+              <a:t>Q4</a:t>
+            </a:r>
+            <a:r>
+              <a:rPr lang="en-CA" sz="1400" b="0" dirty="0">
+                <a:effectLst/>
+                <a:latin typeface="system-ui"/>
+              </a:rPr>
+              <a:t> (</a:t>
+            </a:r>
+            <a:r>
+              <a:rPr lang="en-CA" sz="1400" b="1" dirty="0">
+                <a:effectLst/>
+                <a:latin typeface="system-ui"/>
+              </a:rPr>
+              <a:t>October</a:t>
+            </a:r>
+            <a:r>
+              <a:rPr lang="en-CA" sz="1400" b="0" dirty="0">
+                <a:effectLst/>
+                <a:latin typeface="system-ui"/>
+              </a:rPr>
+              <a:t> - </a:t>
+            </a:r>
+            <a:r>
+              <a:rPr lang="en-CA" sz="1400" b="1" dirty="0">
+                <a:effectLst/>
+                <a:latin typeface="system-ui"/>
+              </a:rPr>
+              <a:t>December</a:t>
+            </a:r>
+            <a:r>
+              <a:rPr lang="en-CA" sz="1400" b="0" dirty="0">
+                <a:effectLst/>
+                <a:latin typeface="system-ui"/>
+              </a:rPr>
+              <a:t>): Fall (cooling temperatures, shorter daylight hours)</a:t>
+            </a:r>
+          </a:p>
+          <a:p>
+            <a:pPr>
+              <a:lnSpc>
+                <a:spcPts val="1425"/>
+              </a:lnSpc>
+            </a:pPr>
+            <a:br>
+              <a:rPr lang="en-CA" b="0" dirty="0">
+                <a:effectLst/>
+                <a:latin typeface="system-ui"/>
+              </a:rPr>
+            </a:br>
+            <a:endParaRPr lang="en-CA" b="0" dirty="0">
+              <a:effectLst/>
+              <a:latin typeface="system-ui"/>
+            </a:endParaRPr>
+          </a:p>
+          <a:p>
+            <a:pPr>
+              <a:lnSpc>
+                <a:spcPts val="1425"/>
+              </a:lnSpc>
+            </a:pPr>
+            <a:r>
+              <a:rPr lang="en-US" sz="1400" b="1" dirty="0">
+                <a:effectLst/>
+                <a:latin typeface="system-ui"/>
+              </a:rPr>
+              <a:t>Death rate:  Q4 &gt; Q2 &gt; Q3 &gt; Q1</a:t>
+            </a:r>
+            <a:endParaRPr lang="en-US" sz="1400" b="0" dirty="0">
+              <a:effectLst/>
+              <a:latin typeface="system-ui"/>
+            </a:endParaRPr>
+          </a:p>
+          <a:p>
+            <a:pPr>
+              <a:lnSpc>
+                <a:spcPts val="1425"/>
+              </a:lnSpc>
+            </a:pPr>
+            <a:br>
+              <a:rPr lang="en-US" sz="1400" b="0" dirty="0">
+                <a:effectLst/>
+                <a:latin typeface="system-ui"/>
+              </a:rPr>
+            </a:br>
+            <a:r>
+              <a:rPr lang="en-US" sz="1400" b="0" dirty="0">
+                <a:effectLst/>
+                <a:latin typeface="system-ui"/>
+              </a:rPr>
+              <a:t>Deaths related to opioid and stimulant use are highest in the fourth quarter (October-December) and lowest in the first quarter (January-March).</a:t>
+            </a:r>
+          </a:p>
+          <a:p>
+            <a:pPr>
+              <a:lnSpc>
+                <a:spcPts val="1425"/>
+              </a:lnSpc>
+            </a:pPr>
+            <a:endParaRPr lang="en-CA" b="0" dirty="0">
+              <a:solidFill>
+                <a:srgbClr val="D4D4D4"/>
+              </a:solidFill>
+              <a:effectLst/>
+              <a:latin typeface="Courier New" panose="02070309020205020404" pitchFamily="49" charset="0"/>
+            </a:endParaRPr>
+          </a:p>
+          <a:p>
+            <a:pPr>
+              <a:lnSpc>
+                <a:spcPts val="1425"/>
+              </a:lnSpc>
+            </a:pPr>
+            <a:endParaRPr lang="en-CA" dirty="0">
+              <a:solidFill>
+                <a:srgbClr val="D4D4D4"/>
+              </a:solidFill>
+              <a:latin typeface="Courier New" panose="02070309020205020404" pitchFamily="49" charset="0"/>
+            </a:endParaRPr>
+          </a:p>
+          <a:p>
+            <a:pPr>
+              <a:lnSpc>
+                <a:spcPts val="1425"/>
+              </a:lnSpc>
+            </a:pPr>
+            <a:r>
+              <a:rPr lang="en-US" sz="1400" b="1" dirty="0">
+                <a:effectLst/>
+                <a:latin typeface="system-ui"/>
+              </a:rPr>
+              <a:t>Hospitalization rate: Q3 &gt; Q2 &gt; Q4 &gt; Q1</a:t>
+            </a:r>
+          </a:p>
+          <a:p>
+            <a:pPr>
+              <a:lnSpc>
+                <a:spcPts val="1425"/>
+              </a:lnSpc>
+            </a:pPr>
+            <a:endParaRPr lang="en-US" sz="1400" b="0" dirty="0">
+              <a:effectLst/>
+              <a:latin typeface="system-ui"/>
+            </a:endParaRPr>
+          </a:p>
+          <a:p>
+            <a:pPr>
+              <a:lnSpc>
+                <a:spcPts val="1425"/>
+              </a:lnSpc>
+            </a:pPr>
+            <a:r>
+              <a:rPr lang="en-US" sz="1400" b="0" dirty="0">
+                <a:effectLst/>
+                <a:latin typeface="system-ui"/>
+              </a:rPr>
+              <a:t>Hospitalizations related to opioid and stimulant use are highest in the third quarter (July-September) and lowest in the first quarter (January - March).</a:t>
+            </a:r>
+            <a:br>
+              <a:rPr lang="en-CA" b="0" dirty="0">
+                <a:solidFill>
+                  <a:srgbClr val="D4D4D4"/>
+                </a:solidFill>
+                <a:effectLst/>
+                <a:latin typeface="Courier New" panose="02070309020205020404" pitchFamily="49" charset="0"/>
+              </a:rPr>
+            </a:br>
+            <a:endParaRPr lang="en-CA" b="0" dirty="0">
+              <a:solidFill>
+                <a:srgbClr val="D4D4D4"/>
+              </a:solidFill>
+              <a:effectLst/>
+              <a:latin typeface="Courier New" panose="02070309020205020404" pitchFamily="49" charset="0"/>
+            </a:endParaRPr>
+          </a:p>
+          <a:p>
+            <a:endParaRPr lang="en-CA" dirty="0"/>
           </a:p>
         </p:txBody>
       </p:sp>
@@ -2820,6 +3289,338 @@
 </file>
 
 <file path=ppt/slides/slide11.xml><?xml version="1.0" encoding="utf-8"?>
+<p:sld xmlns:a="http://schemas.openxmlformats.org/drawingml/2006/main" xmlns:r="http://schemas.openxmlformats.org/officeDocument/2006/relationships" xmlns:p="http://schemas.openxmlformats.org/presentationml/2006/main">
+  <p:cSld>
+    <p:spTree>
+      <p:nvGrpSpPr>
+        <p:cNvPr id="1" name="">
+          <a:extLst>
+            <a:ext uri="{FF2B5EF4-FFF2-40B4-BE49-F238E27FC236}">
+              <a16:creationId xmlns:a16="http://schemas.microsoft.com/office/drawing/2014/main" id="{FA68955A-B252-3DC2-4386-BB7D1410F455}"/>
+            </a:ext>
+          </a:extLst>
+        </p:cNvPr>
+        <p:cNvGrpSpPr/>
+        <p:nvPr/>
+      </p:nvGrpSpPr>
+      <p:grpSpPr>
+        <a:xfrm>
+          <a:off x="0" y="0"/>
+          <a:ext cx="0" cy="0"/>
+          <a:chOff x="0" y="0"/>
+          <a:chExt cx="0" cy="0"/>
+        </a:xfrm>
+      </p:grpSpPr>
+      <p:pic>
+        <p:nvPicPr>
+          <p:cNvPr id="9" name="Picture 8">
+            <a:extLst>
+              <a:ext uri="{FF2B5EF4-FFF2-40B4-BE49-F238E27FC236}">
+                <a16:creationId xmlns:a16="http://schemas.microsoft.com/office/drawing/2014/main" id="{2D589136-1DCC-D5B6-092D-C1D4104CA339}"/>
+              </a:ext>
+            </a:extLst>
+          </p:cNvPr>
+          <p:cNvPicPr>
+            <a:picLocks noChangeAspect="1"/>
+          </p:cNvPicPr>
+          <p:nvPr/>
+        </p:nvPicPr>
+        <p:blipFill>
+          <a:blip r:embed="rId2"/>
+          <a:stretch>
+            <a:fillRect/>
+          </a:stretch>
+        </p:blipFill>
+        <p:spPr>
+          <a:xfrm>
+            <a:off x="785956" y="4016084"/>
+            <a:ext cx="5206634" cy="2583611"/>
+          </a:xfrm>
+          <a:prstGeom prst="rect">
+            <a:avLst/>
+          </a:prstGeom>
+        </p:spPr>
+      </p:pic>
+      <p:sp>
+        <p:nvSpPr>
+          <p:cNvPr id="2" name="Title 1">
+            <a:extLst>
+              <a:ext uri="{FF2B5EF4-FFF2-40B4-BE49-F238E27FC236}">
+                <a16:creationId xmlns:a16="http://schemas.microsoft.com/office/drawing/2014/main" id="{F508193B-C882-826C-86BE-0F34C491FB18}"/>
+              </a:ext>
+            </a:extLst>
+          </p:cNvPr>
+          <p:cNvSpPr>
+            <a:spLocks noGrp="1"/>
+          </p:cNvSpPr>
+          <p:nvPr>
+            <p:ph type="title"/>
+          </p:nvPr>
+        </p:nvSpPr>
+        <p:spPr>
+          <a:xfrm>
+            <a:off x="535791" y="389869"/>
+            <a:ext cx="9724372" cy="1033398"/>
+          </a:xfrm>
+        </p:spPr>
+        <p:txBody>
+          <a:bodyPr/>
+          <a:lstStyle/>
+          <a:p>
+            <a:r>
+              <a:rPr lang="en-US" dirty="0"/>
+              <a:t>Guiding Question 3</a:t>
+            </a:r>
+          </a:p>
+        </p:txBody>
+      </p:sp>
+      <p:sp>
+        <p:nvSpPr>
+          <p:cNvPr id="4" name="Slide Number Placeholder 3">
+            <a:extLst>
+              <a:ext uri="{FF2B5EF4-FFF2-40B4-BE49-F238E27FC236}">
+                <a16:creationId xmlns:a16="http://schemas.microsoft.com/office/drawing/2014/main" id="{F6248153-D4A2-3028-0F0F-BCAB45653624}"/>
+              </a:ext>
+            </a:extLst>
+          </p:cNvPr>
+          <p:cNvSpPr>
+            <a:spLocks noGrp="1"/>
+          </p:cNvSpPr>
+          <p:nvPr>
+            <p:ph type="sldNum" sz="quarter" idx="12"/>
+          </p:nvPr>
+        </p:nvSpPr>
+        <p:spPr/>
+        <p:txBody>
+          <a:bodyPr/>
+          <a:lstStyle/>
+          <a:p>
+            <a:fld id="{5C35FCF4-C3EF-BD43-82E0-05BC237DAD2A}" type="slidenum">
+              <a:rPr lang="en-US" smtClean="0"/>
+              <a:pPr/>
+              <a:t>11</a:t>
+            </a:fld>
+            <a:endParaRPr lang="en-US" dirty="0"/>
+          </a:p>
+        </p:txBody>
+      </p:sp>
+      <p:sp>
+        <p:nvSpPr>
+          <p:cNvPr id="6" name="Content Placeholder 5">
+            <a:extLst>
+              <a:ext uri="{FF2B5EF4-FFF2-40B4-BE49-F238E27FC236}">
+                <a16:creationId xmlns:a16="http://schemas.microsoft.com/office/drawing/2014/main" id="{B0C8DA14-B6F3-09A7-FB45-C6403DD8D9FF}"/>
+              </a:ext>
+            </a:extLst>
+          </p:cNvPr>
+          <p:cNvSpPr>
+            <a:spLocks noGrp="1"/>
+          </p:cNvSpPr>
+          <p:nvPr>
+            <p:ph idx="1"/>
+          </p:nvPr>
+        </p:nvSpPr>
+        <p:spPr>
+          <a:xfrm>
+            <a:off x="785956" y="1156734"/>
+            <a:ext cx="6142972" cy="1776455"/>
+          </a:xfrm>
+        </p:spPr>
+        <p:txBody>
+          <a:bodyPr/>
+          <a:lstStyle/>
+          <a:p>
+            <a:pPr marL="0" indent="0">
+              <a:buNone/>
+            </a:pPr>
+            <a:r>
+              <a:rPr lang="en-US" sz="1200" b="1" kern="100" dirty="0">
+                <a:solidFill>
+                  <a:schemeClr val="tx1">
+                    <a:lumMod val="65000"/>
+                    <a:lumOff val="35000"/>
+                  </a:schemeClr>
+                </a:solidFill>
+                <a:effectLst/>
+                <a:latin typeface="Aptos" panose="020B0004020202020204" pitchFamily="34" charset="0"/>
+                <a:ea typeface="Aptos" panose="020B0004020202020204" pitchFamily="34" charset="0"/>
+                <a:cs typeface="Times New Roman" panose="02020603050405020304" pitchFamily="18" charset="0"/>
+              </a:rPr>
+              <a:t>Is the weather relevant for the number of incidents?</a:t>
+            </a:r>
+            <a:endParaRPr lang="en-US" sz="1200" dirty="0">
+              <a:solidFill>
+                <a:schemeClr val="tx1">
+                  <a:lumMod val="65000"/>
+                  <a:lumOff val="35000"/>
+                </a:schemeClr>
+              </a:solidFill>
+            </a:endParaRPr>
+          </a:p>
+        </p:txBody>
+      </p:sp>
+      <p:pic>
+        <p:nvPicPr>
+          <p:cNvPr id="8" name="Picture 7">
+            <a:extLst>
+              <a:ext uri="{FF2B5EF4-FFF2-40B4-BE49-F238E27FC236}">
+                <a16:creationId xmlns:a16="http://schemas.microsoft.com/office/drawing/2014/main" id="{84411419-1F96-379F-C3ED-328DCD9AEF46}"/>
+              </a:ext>
+            </a:extLst>
+          </p:cNvPr>
+          <p:cNvPicPr>
+            <a:picLocks noChangeAspect="1"/>
+          </p:cNvPicPr>
+          <p:nvPr/>
+        </p:nvPicPr>
+        <p:blipFill>
+          <a:blip r:embed="rId3"/>
+          <a:stretch>
+            <a:fillRect/>
+          </a:stretch>
+        </p:blipFill>
+        <p:spPr>
+          <a:xfrm>
+            <a:off x="784595" y="1423267"/>
+            <a:ext cx="5206634" cy="2583611"/>
+          </a:xfrm>
+          <a:prstGeom prst="rect">
+            <a:avLst/>
+          </a:prstGeom>
+        </p:spPr>
+      </p:pic>
+      <p:sp>
+        <p:nvSpPr>
+          <p:cNvPr id="10" name="TextBox 9">
+            <a:extLst>
+              <a:ext uri="{FF2B5EF4-FFF2-40B4-BE49-F238E27FC236}">
+                <a16:creationId xmlns:a16="http://schemas.microsoft.com/office/drawing/2014/main" id="{2D90DA40-6740-CBE9-F5E9-18C16839124F}"/>
+              </a:ext>
+            </a:extLst>
+          </p:cNvPr>
+          <p:cNvSpPr txBox="1"/>
+          <p:nvPr/>
+        </p:nvSpPr>
+        <p:spPr>
+          <a:xfrm>
+            <a:off x="6754485" y="2075346"/>
+            <a:ext cx="4556670" cy="2985433"/>
+          </a:xfrm>
+          <a:prstGeom prst="rect">
+            <a:avLst/>
+          </a:prstGeom>
+          <a:noFill/>
+        </p:spPr>
+        <p:txBody>
+          <a:bodyPr wrap="square" rtlCol="0">
+            <a:spAutoFit/>
+          </a:bodyPr>
+          <a:lstStyle/>
+          <a:p>
+            <a:r>
+              <a:rPr lang="en-US" sz="1400" b="1" dirty="0">
+                <a:effectLst/>
+                <a:latin typeface="system-ui"/>
+              </a:rPr>
+              <a:t>British Columbia </a:t>
+            </a:r>
+            <a:r>
+              <a:rPr lang="en-US" sz="1400" b="0" dirty="0">
+                <a:effectLst/>
+                <a:latin typeface="system-ui"/>
+              </a:rPr>
+              <a:t>and </a:t>
+            </a:r>
+            <a:r>
+              <a:rPr lang="en-US" sz="1400" b="1" dirty="0">
+                <a:effectLst/>
+                <a:latin typeface="system-ui"/>
+              </a:rPr>
+              <a:t>Ontario</a:t>
+            </a:r>
+            <a:r>
+              <a:rPr lang="en-US" sz="1400" b="0" dirty="0">
+                <a:effectLst/>
+                <a:latin typeface="system-ui"/>
+              </a:rPr>
+              <a:t> show the highest average death and hospitalization rates, indicating more severe crisis of opioids and stimulants compared to other regions</a:t>
+            </a:r>
+            <a:r>
+              <a:rPr lang="en-US" sz="1200" b="0" dirty="0">
+                <a:effectLst/>
+                <a:latin typeface="system-ui"/>
+              </a:rPr>
+              <a:t>.</a:t>
+            </a:r>
+          </a:p>
+          <a:p>
+            <a:endParaRPr lang="en-CA" dirty="0"/>
+          </a:p>
+          <a:p>
+            <a:endParaRPr lang="en-CA" dirty="0"/>
+          </a:p>
+          <a:p>
+            <a:endParaRPr lang="en-CA" dirty="0"/>
+          </a:p>
+          <a:p>
+            <a:endParaRPr lang="en-CA" dirty="0"/>
+          </a:p>
+          <a:p>
+            <a:r>
+              <a:rPr lang="en-US" sz="1400" b="0" dirty="0">
+                <a:effectLst/>
+                <a:latin typeface="system-ui"/>
+              </a:rPr>
+              <a:t>Both plots exhibit some seasonal variations in deaths and hospitalizations, with deaths tending to peak in the </a:t>
+            </a:r>
+            <a:r>
+              <a:rPr lang="en-US" sz="1400" b="1" dirty="0">
+                <a:effectLst/>
+                <a:latin typeface="system-ui"/>
+              </a:rPr>
+              <a:t>fourth quarter (October-December) </a:t>
+            </a:r>
+            <a:r>
+              <a:rPr lang="en-US" sz="1400" b="0" dirty="0">
+                <a:effectLst/>
+                <a:latin typeface="system-ui"/>
+              </a:rPr>
+              <a:t>and hospitalizations often highest in the </a:t>
+            </a:r>
+            <a:r>
+              <a:rPr lang="en-US" sz="1400" b="1" dirty="0">
+                <a:effectLst/>
+                <a:latin typeface="system-ui"/>
+              </a:rPr>
+              <a:t>third quarter (July-September)</a:t>
+            </a:r>
+            <a:r>
+              <a:rPr lang="en-US" sz="1400" b="0" dirty="0">
+                <a:effectLst/>
+                <a:latin typeface="system-ui"/>
+              </a:rPr>
+              <a:t>.</a:t>
+            </a:r>
+          </a:p>
+          <a:p>
+            <a:endParaRPr lang="en-CA" b="1" dirty="0"/>
+          </a:p>
+        </p:txBody>
+      </p:sp>
+    </p:spTree>
+    <p:extLst>
+      <p:ext uri="{BB962C8B-B14F-4D97-AF65-F5344CB8AC3E}">
+        <p14:creationId xmlns:p14="http://schemas.microsoft.com/office/powerpoint/2010/main" val="4275396460"/>
+      </p:ext>
+    </p:extLst>
+  </p:cSld>
+  <p:clrMapOvr>
+    <a:masterClrMapping/>
+  </p:clrMapOvr>
+</p:sld>
+</file>
+
+<file path=ppt/slides/slide12.xml><?xml version="1.0" encoding="utf-8"?>
 <p:sld xmlns:a="http://schemas.openxmlformats.org/drawingml/2006/main" xmlns:r="http://schemas.openxmlformats.org/officeDocument/2006/relationships" xmlns:p="http://schemas.openxmlformats.org/presentationml/2006/main">
   <p:cSld>
     <p:spTree>
@@ -2894,7 +3695,7 @@
             <a:fld id="{5C35FCF4-C3EF-BD43-82E0-05BC237DAD2A}" type="slidenum">
               <a:rPr lang="en-US" smtClean="0"/>
               <a:pPr/>
-              <a:t>11</a:t>
+              <a:t>12</a:t>
             </a:fld>
             <a:endParaRPr lang="en-US" dirty="0"/>
           </a:p>
@@ -3214,7 +4015,7 @@
 </p:sld>
 </file>
 
-<file path=ppt/slides/slide12.xml><?xml version="1.0" encoding="utf-8"?>
+<file path=ppt/slides/slide13.xml><?xml version="1.0" encoding="utf-8"?>
 <p:sld xmlns:a="http://schemas.openxmlformats.org/drawingml/2006/main" xmlns:r="http://schemas.openxmlformats.org/officeDocument/2006/relationships" xmlns:p="http://schemas.openxmlformats.org/presentationml/2006/main">
   <p:cSld>
     <p:spTree>
@@ -3289,7 +4090,7 @@
             <a:fld id="{5C35FCF4-C3EF-BD43-82E0-05BC237DAD2A}" type="slidenum">
               <a:rPr lang="en-US" smtClean="0"/>
               <a:pPr/>
-              <a:t>12</a:t>
+              <a:t>13</a:t>
             </a:fld>
             <a:endParaRPr lang="en-US" dirty="0"/>
           </a:p>
@@ -3570,7 +4371,7 @@
 </p:sld>
 </file>
 
-<file path=ppt/slides/slide13.xml><?xml version="1.0" encoding="utf-8"?>
+<file path=ppt/slides/slide14.xml><?xml version="1.0" encoding="utf-8"?>
 <p:sld xmlns:a="http://schemas.openxmlformats.org/drawingml/2006/main" xmlns:r="http://schemas.openxmlformats.org/officeDocument/2006/relationships" xmlns:p="http://schemas.openxmlformats.org/presentationml/2006/main">
   <p:cSld>
     <p:spTree>
@@ -3645,7 +4446,7 @@
             <a:fld id="{5C35FCF4-C3EF-BD43-82E0-05BC237DAD2A}" type="slidenum">
               <a:rPr lang="en-US" smtClean="0"/>
               <a:pPr/>
-              <a:t>13</a:t>
+              <a:t>14</a:t>
             </a:fld>
             <a:endParaRPr lang="en-US" dirty="0"/>
           </a:p>
@@ -3939,7 +4740,7 @@
 </p:sld>
 </file>
 
-<file path=ppt/slides/slide14.xml><?xml version="1.0" encoding="utf-8"?>
+<file path=ppt/slides/slide15.xml><?xml version="1.0" encoding="utf-8"?>
 <p:sld xmlns:a="http://schemas.openxmlformats.org/drawingml/2006/main" xmlns:r="http://schemas.openxmlformats.org/officeDocument/2006/relationships" xmlns:p="http://schemas.openxmlformats.org/presentationml/2006/main">
   <p:cSld>
     <p:spTree>
@@ -4014,7 +4815,7 @@
             <a:fld id="{5C35FCF4-C3EF-BD43-82E0-05BC237DAD2A}" type="slidenum">
               <a:rPr lang="en-US" smtClean="0"/>
               <a:pPr/>
-              <a:t>14</a:t>
+              <a:t>15</a:t>
             </a:fld>
             <a:endParaRPr lang="en-US" dirty="0"/>
           </a:p>
@@ -4222,7 +5023,7 @@
 </p:sld>
 </file>
 
-<file path=ppt/slides/slide15.xml><?xml version="1.0" encoding="utf-8"?>
+<file path=ppt/slides/slide16.xml><?xml version="1.0" encoding="utf-8"?>
 <p:sld xmlns:a="http://schemas.openxmlformats.org/drawingml/2006/main" xmlns:r="http://schemas.openxmlformats.org/officeDocument/2006/relationships" xmlns:p="http://schemas.openxmlformats.org/presentationml/2006/main">
   <p:cSld>
     <p:spTree>
@@ -4297,7 +5098,7 @@
             <a:fld id="{5C35FCF4-C3EF-BD43-82E0-05BC237DAD2A}" type="slidenum">
               <a:rPr lang="en-US" smtClean="0"/>
               <a:pPr/>
-              <a:t>15</a:t>
+              <a:t>16</a:t>
             </a:fld>
             <a:endParaRPr lang="en-US" dirty="0"/>
           </a:p>
@@ -4522,7 +5323,7 @@
 </p:sld>
 </file>
 
-<file path=ppt/slides/slide16.xml><?xml version="1.0" encoding="utf-8"?>
+<file path=ppt/slides/slide17.xml><?xml version="1.0" encoding="utf-8"?>
 <p:sld xmlns:a="http://schemas.openxmlformats.org/drawingml/2006/main" xmlns:r="http://schemas.openxmlformats.org/officeDocument/2006/relationships" xmlns:p="http://schemas.openxmlformats.org/presentationml/2006/main">
   <p:cSld>
     <p:spTree>
@@ -4597,7 +5398,7 @@
             <a:fld id="{5C35FCF4-C3EF-BD43-82E0-05BC237DAD2A}" type="slidenum">
               <a:rPr lang="en-US" smtClean="0"/>
               <a:pPr/>
-              <a:t>16</a:t>
+              <a:t>17</a:t>
             </a:fld>
             <a:endParaRPr lang="en-US" dirty="0"/>
           </a:p>
@@ -4757,7 +5558,7 @@
 </p:sld>
 </file>
 
-<file path=ppt/slides/slide17.xml><?xml version="1.0" encoding="utf-8"?>
+<file path=ppt/slides/slide18.xml><?xml version="1.0" encoding="utf-8"?>
 <p:sld xmlns:a="http://schemas.openxmlformats.org/drawingml/2006/main" xmlns:r="http://schemas.openxmlformats.org/officeDocument/2006/relationships" xmlns:p="http://schemas.openxmlformats.org/presentationml/2006/main">
   <p:cSld>
     <p:spTree>
@@ -4832,7 +5633,7 @@
             <a:fld id="{5C35FCF4-C3EF-BD43-82E0-05BC237DAD2A}" type="slidenum">
               <a:rPr lang="en-US" smtClean="0"/>
               <a:pPr/>
-              <a:t>17</a:t>
+              <a:t>18</a:t>
             </a:fld>
             <a:endParaRPr lang="en-US" dirty="0"/>
           </a:p>
@@ -5061,7 +5862,7 @@
 </p:sld>
 </file>
 
-<file path=ppt/slides/slide18.xml><?xml version="1.0" encoding="utf-8"?>
+<file path=ppt/slides/slide19.xml><?xml version="1.0" encoding="utf-8"?>
 <p:sld xmlns:a="http://schemas.openxmlformats.org/drawingml/2006/main" xmlns:r="http://schemas.openxmlformats.org/officeDocument/2006/relationships" xmlns:p="http://schemas.openxmlformats.org/presentationml/2006/main">
   <p:cSld>
     <p:spTree>
@@ -5136,7 +5937,7 @@
             <a:fld id="{5C35FCF4-C3EF-BD43-82E0-05BC237DAD2A}" type="slidenum">
               <a:rPr lang="en-US" smtClean="0"/>
               <a:pPr/>
-              <a:t>18</a:t>
+              <a:t>19</a:t>
             </a:fld>
             <a:endParaRPr lang="en-US" dirty="0"/>
           </a:p>
@@ -5348,7 +6149,146 @@
 </p:sld>
 </file>
 
-<file path=ppt/slides/slide19.xml><?xml version="1.0" encoding="utf-8"?>
+<file path=ppt/slides/slide2.xml><?xml version="1.0" encoding="utf-8"?>
+<p:sld xmlns:a="http://schemas.openxmlformats.org/drawingml/2006/main" xmlns:r="http://schemas.openxmlformats.org/officeDocument/2006/relationships" xmlns:p="http://schemas.openxmlformats.org/presentationml/2006/main">
+  <p:cSld>
+    <p:spTree>
+      <p:nvGrpSpPr>
+        <p:cNvPr id="1" name=""/>
+        <p:cNvGrpSpPr/>
+        <p:nvPr/>
+      </p:nvGrpSpPr>
+      <p:grpSpPr>
+        <a:xfrm>
+          <a:off x="0" y="0"/>
+          <a:ext cx="0" cy="0"/>
+          <a:chOff x="0" y="0"/>
+          <a:chExt cx="0" cy="0"/>
+        </a:xfrm>
+      </p:grpSpPr>
+      <p:sp>
+        <p:nvSpPr>
+          <p:cNvPr id="2" name="Title 1">
+            <a:extLst>
+              <a:ext uri="{FF2B5EF4-FFF2-40B4-BE49-F238E27FC236}">
+                <a16:creationId xmlns:a16="http://schemas.microsoft.com/office/drawing/2014/main" id="{5EDD2AD0-B422-9948-BB03-1443DE901CD6}"/>
+              </a:ext>
+            </a:extLst>
+          </p:cNvPr>
+          <p:cNvSpPr>
+            <a:spLocks noGrp="1"/>
+          </p:cNvSpPr>
+          <p:nvPr>
+            <p:ph type="title"/>
+          </p:nvPr>
+        </p:nvSpPr>
+        <p:spPr/>
+        <p:txBody>
+          <a:bodyPr/>
+          <a:lstStyle/>
+          <a:p>
+            <a:r>
+              <a:rPr lang="en-US" dirty="0"/>
+              <a:t>Introduction</a:t>
+            </a:r>
+          </a:p>
+        </p:txBody>
+      </p:sp>
+      <p:sp>
+        <p:nvSpPr>
+          <p:cNvPr id="3" name="Content Placeholder 2">
+            <a:extLst>
+              <a:ext uri="{FF2B5EF4-FFF2-40B4-BE49-F238E27FC236}">
+                <a16:creationId xmlns:a16="http://schemas.microsoft.com/office/drawing/2014/main" id="{5480ABD6-B0BD-B94F-9DA7-56F8E322B8EC}"/>
+              </a:ext>
+            </a:extLst>
+          </p:cNvPr>
+          <p:cNvSpPr>
+            <a:spLocks noGrp="1"/>
+          </p:cNvSpPr>
+          <p:nvPr>
+            <p:ph idx="1"/>
+          </p:nvPr>
+        </p:nvSpPr>
+        <p:spPr/>
+        <p:txBody>
+          <a:bodyPr/>
+          <a:lstStyle/>
+          <a:p>
+            <a:pPr algn="just"/>
+            <a:r>
+              <a:rPr lang="en-US" sz="2000" dirty="0"/>
+              <a:t>Our project aims to explore the data regarding the ongoing Substance abuse crisis that Canada (and the World) is going through.</a:t>
+            </a:r>
+          </a:p>
+          <a:p>
+            <a:pPr algn="just"/>
+            <a:endParaRPr lang="en-US" sz="2000" dirty="0"/>
+          </a:p>
+          <a:p>
+            <a:pPr algn="just"/>
+            <a:r>
+              <a:rPr lang="en-US" sz="2000" dirty="0"/>
+              <a:t>The data used for these analysis are from 2016 (Opioids) and 2018 (Stimulants) up to 2024 (June).</a:t>
+            </a:r>
+          </a:p>
+          <a:p>
+            <a:pPr algn="just"/>
+            <a:endParaRPr lang="en-US" sz="2000" dirty="0"/>
+          </a:p>
+          <a:p>
+            <a:pPr algn="just"/>
+            <a:r>
+              <a:rPr lang="en-US" sz="2000" dirty="0"/>
+              <a:t>Our purpose is to gather insights while using techniques and tools that we learned over the course of 6 weeks.</a:t>
+            </a:r>
+          </a:p>
+        </p:txBody>
+      </p:sp>
+      <p:sp>
+        <p:nvSpPr>
+          <p:cNvPr id="4" name="Slide Number Placeholder 3">
+            <a:extLst>
+              <a:ext uri="{FF2B5EF4-FFF2-40B4-BE49-F238E27FC236}">
+                <a16:creationId xmlns:a16="http://schemas.microsoft.com/office/drawing/2014/main" id="{724FA3F3-625E-CA46-8A0A-6A0AF37CFDC8}"/>
+              </a:ext>
+            </a:extLst>
+          </p:cNvPr>
+          <p:cNvSpPr>
+            <a:spLocks noGrp="1"/>
+          </p:cNvSpPr>
+          <p:nvPr>
+            <p:ph type="sldNum" sz="quarter" idx="12"/>
+          </p:nvPr>
+        </p:nvSpPr>
+        <p:spPr/>
+        <p:txBody>
+          <a:bodyPr/>
+          <a:lstStyle/>
+          <a:p>
+            <a:fld id="{5C35FCF4-C3EF-BD43-82E0-05BC237DAD2A}" type="slidenum">
+              <a:rPr lang="en-US" smtClean="0"/>
+              <a:pPr/>
+              <a:t>2</a:t>
+            </a:fld>
+            <a:endParaRPr lang="en-US" dirty="0"/>
+          </a:p>
+        </p:txBody>
+      </p:sp>
+    </p:spTree>
+    <p:extLst>
+      <p:ext uri="{BB962C8B-B14F-4D97-AF65-F5344CB8AC3E}">
+        <p14:creationId xmlns:p14="http://schemas.microsoft.com/office/powerpoint/2010/main" val="14210611"/>
+      </p:ext>
+    </p:extLst>
+  </p:cSld>
+  <p:clrMapOvr>
+    <a:masterClrMapping/>
+  </p:clrMapOvr>
+</p:sld>
+</file>
+
+<file path=ppt/slides/slide20.xml><?xml version="1.0" encoding="utf-8"?>
 <p:sld xmlns:a="http://schemas.openxmlformats.org/drawingml/2006/main" xmlns:r="http://schemas.openxmlformats.org/officeDocument/2006/relationships" xmlns:p="http://schemas.openxmlformats.org/presentationml/2006/main">
   <p:cSld>
     <p:spTree>
@@ -5574,7 +6514,7 @@
             <a:fld id="{5C35FCF4-C3EF-BD43-82E0-05BC237DAD2A}" type="slidenum">
               <a:rPr lang="en-US" smtClean="0"/>
               <a:pPr/>
-              <a:t>19</a:t>
+              <a:t>20</a:t>
             </a:fld>
             <a:endParaRPr lang="en-US" dirty="0"/>
           </a:p>
@@ -5593,146 +6533,7 @@
 </p:sld>
 </file>
 
-<file path=ppt/slides/slide2.xml><?xml version="1.0" encoding="utf-8"?>
-<p:sld xmlns:a="http://schemas.openxmlformats.org/drawingml/2006/main" xmlns:r="http://schemas.openxmlformats.org/officeDocument/2006/relationships" xmlns:p="http://schemas.openxmlformats.org/presentationml/2006/main">
-  <p:cSld>
-    <p:spTree>
-      <p:nvGrpSpPr>
-        <p:cNvPr id="1" name=""/>
-        <p:cNvGrpSpPr/>
-        <p:nvPr/>
-      </p:nvGrpSpPr>
-      <p:grpSpPr>
-        <a:xfrm>
-          <a:off x="0" y="0"/>
-          <a:ext cx="0" cy="0"/>
-          <a:chOff x="0" y="0"/>
-          <a:chExt cx="0" cy="0"/>
-        </a:xfrm>
-      </p:grpSpPr>
-      <p:sp>
-        <p:nvSpPr>
-          <p:cNvPr id="2" name="Title 1">
-            <a:extLst>
-              <a:ext uri="{FF2B5EF4-FFF2-40B4-BE49-F238E27FC236}">
-                <a16:creationId xmlns:a16="http://schemas.microsoft.com/office/drawing/2014/main" id="{5EDD2AD0-B422-9948-BB03-1443DE901CD6}"/>
-              </a:ext>
-            </a:extLst>
-          </p:cNvPr>
-          <p:cNvSpPr>
-            <a:spLocks noGrp="1"/>
-          </p:cNvSpPr>
-          <p:nvPr>
-            <p:ph type="title"/>
-          </p:nvPr>
-        </p:nvSpPr>
-        <p:spPr/>
-        <p:txBody>
-          <a:bodyPr/>
-          <a:lstStyle/>
-          <a:p>
-            <a:r>
-              <a:rPr lang="en-US" dirty="0"/>
-              <a:t>Introduction</a:t>
-            </a:r>
-          </a:p>
-        </p:txBody>
-      </p:sp>
-      <p:sp>
-        <p:nvSpPr>
-          <p:cNvPr id="3" name="Content Placeholder 2">
-            <a:extLst>
-              <a:ext uri="{FF2B5EF4-FFF2-40B4-BE49-F238E27FC236}">
-                <a16:creationId xmlns:a16="http://schemas.microsoft.com/office/drawing/2014/main" id="{5480ABD6-B0BD-B94F-9DA7-56F8E322B8EC}"/>
-              </a:ext>
-            </a:extLst>
-          </p:cNvPr>
-          <p:cNvSpPr>
-            <a:spLocks noGrp="1"/>
-          </p:cNvSpPr>
-          <p:nvPr>
-            <p:ph idx="1"/>
-          </p:nvPr>
-        </p:nvSpPr>
-        <p:spPr/>
-        <p:txBody>
-          <a:bodyPr/>
-          <a:lstStyle/>
-          <a:p>
-            <a:pPr algn="just"/>
-            <a:r>
-              <a:rPr lang="en-US" sz="2000" dirty="0"/>
-              <a:t>Our project aims to explore the data regarding the ongoing Substance abuse crisis that Canada (and the World) is going through.</a:t>
-            </a:r>
-          </a:p>
-          <a:p>
-            <a:pPr algn="just"/>
-            <a:endParaRPr lang="en-US" sz="2000" dirty="0"/>
-          </a:p>
-          <a:p>
-            <a:pPr algn="just"/>
-            <a:r>
-              <a:rPr lang="en-US" sz="2000" dirty="0"/>
-              <a:t>The data used for these analysis are from 2016 (Opioids) and 2018 (Stimulants) up to 2024 (June).</a:t>
-            </a:r>
-          </a:p>
-          <a:p>
-            <a:pPr algn="just"/>
-            <a:endParaRPr lang="en-US" sz="2000" dirty="0"/>
-          </a:p>
-          <a:p>
-            <a:pPr algn="just"/>
-            <a:r>
-              <a:rPr lang="en-US" sz="2000" dirty="0"/>
-              <a:t>Our purpose is to gather insights while using techniques and tools that we learned over the course of 6 weeks.</a:t>
-            </a:r>
-          </a:p>
-        </p:txBody>
-      </p:sp>
-      <p:sp>
-        <p:nvSpPr>
-          <p:cNvPr id="4" name="Slide Number Placeholder 3">
-            <a:extLst>
-              <a:ext uri="{FF2B5EF4-FFF2-40B4-BE49-F238E27FC236}">
-                <a16:creationId xmlns:a16="http://schemas.microsoft.com/office/drawing/2014/main" id="{724FA3F3-625E-CA46-8A0A-6A0AF37CFDC8}"/>
-              </a:ext>
-            </a:extLst>
-          </p:cNvPr>
-          <p:cNvSpPr>
-            <a:spLocks noGrp="1"/>
-          </p:cNvSpPr>
-          <p:nvPr>
-            <p:ph type="sldNum" sz="quarter" idx="12"/>
-          </p:nvPr>
-        </p:nvSpPr>
-        <p:spPr/>
-        <p:txBody>
-          <a:bodyPr/>
-          <a:lstStyle/>
-          <a:p>
-            <a:fld id="{5C35FCF4-C3EF-BD43-82E0-05BC237DAD2A}" type="slidenum">
-              <a:rPr lang="en-US" smtClean="0"/>
-              <a:pPr/>
-              <a:t>2</a:t>
-            </a:fld>
-            <a:endParaRPr lang="en-US" dirty="0"/>
-          </a:p>
-        </p:txBody>
-      </p:sp>
-    </p:spTree>
-    <p:extLst>
-      <p:ext uri="{BB962C8B-B14F-4D97-AF65-F5344CB8AC3E}">
-        <p14:creationId xmlns:p14="http://schemas.microsoft.com/office/powerpoint/2010/main" val="14210611"/>
-      </p:ext>
-    </p:extLst>
-  </p:cSld>
-  <p:clrMapOvr>
-    <a:masterClrMapping/>
-  </p:clrMapOvr>
-</p:sld>
-</file>
-
-<file path=ppt/slides/slide20.xml><?xml version="1.0" encoding="utf-8"?>
+<file path=ppt/slides/slide21.xml><?xml version="1.0" encoding="utf-8"?>
 <p:sld xmlns:a="http://schemas.openxmlformats.org/drawingml/2006/main" xmlns:r="http://schemas.openxmlformats.org/officeDocument/2006/relationships" xmlns:p="http://schemas.openxmlformats.org/presentationml/2006/main">
   <p:cSld>
     <p:spTree>
@@ -5771,7 +6572,7 @@
         </p:nvSpPr>
         <p:spPr>
           <a:xfrm>
-            <a:off x="1026454" y="3448749"/>
+            <a:off x="1613051" y="2724130"/>
             <a:ext cx="9724372" cy="1033398"/>
           </a:xfrm>
           <a:prstGeom prst="rect">
@@ -6407,66 +7208,6 @@
           </a:p>
         </p:txBody>
       </p:sp>
-      <p:pic>
-        <p:nvPicPr>
-          <p:cNvPr id="10" name="Picture 9">
-            <a:extLst>
-              <a:ext uri="{FF2B5EF4-FFF2-40B4-BE49-F238E27FC236}">
-                <a16:creationId xmlns:a16="http://schemas.microsoft.com/office/drawing/2014/main" id="{3930CE88-9178-76D1-C98F-C02D06A86DA2}"/>
-              </a:ext>
-            </a:extLst>
-          </p:cNvPr>
-          <p:cNvPicPr>
-            <a:picLocks noChangeAspect="1"/>
-          </p:cNvPicPr>
-          <p:nvPr/>
-        </p:nvPicPr>
-        <p:blipFill>
-          <a:blip r:embed="rId2"/>
-          <a:stretch>
-            <a:fillRect/>
-          </a:stretch>
-        </p:blipFill>
-        <p:spPr>
-          <a:xfrm>
-            <a:off x="568977" y="1493043"/>
-            <a:ext cx="3621024" cy="2387688"/>
-          </a:xfrm>
-          <a:prstGeom prst="rect">
-            <a:avLst/>
-          </a:prstGeom>
-        </p:spPr>
-      </p:pic>
-      <p:pic>
-        <p:nvPicPr>
-          <p:cNvPr id="12" name="Picture 11">
-            <a:extLst>
-              <a:ext uri="{FF2B5EF4-FFF2-40B4-BE49-F238E27FC236}">
-                <a16:creationId xmlns:a16="http://schemas.microsoft.com/office/drawing/2014/main" id="{255A182D-0908-0011-9AE0-32CCD32AD03E}"/>
-              </a:ext>
-            </a:extLst>
-          </p:cNvPr>
-          <p:cNvPicPr>
-            <a:picLocks noChangeAspect="1"/>
-          </p:cNvPicPr>
-          <p:nvPr/>
-        </p:nvPicPr>
-        <p:blipFill>
-          <a:blip r:embed="rId3"/>
-          <a:stretch>
-            <a:fillRect/>
-          </a:stretch>
-        </p:blipFill>
-        <p:spPr>
-          <a:xfrm>
-            <a:off x="613428" y="3953432"/>
-            <a:ext cx="3619625" cy="2244168"/>
-          </a:xfrm>
-          <a:prstGeom prst="rect">
-            <a:avLst/>
-          </a:prstGeom>
-        </p:spPr>
-      </p:pic>
       <p:sp>
         <p:nvSpPr>
           <p:cNvPr id="13" name="TextBox 12">
@@ -6798,6 +7539,70 @@
           </a:p>
         </p:txBody>
       </p:sp>
+      <p:pic>
+        <p:nvPicPr>
+          <p:cNvPr id="5" name="Picture 4">
+            <a:extLst>
+              <a:ext uri="{FF2B5EF4-FFF2-40B4-BE49-F238E27FC236}">
+                <a16:creationId xmlns:a16="http://schemas.microsoft.com/office/drawing/2014/main" id="{7A8D4E51-2BFC-B23B-6345-DE6B311960DD}"/>
+              </a:ext>
+            </a:extLst>
+          </p:cNvPr>
+          <p:cNvPicPr>
+            <a:picLocks noChangeAspect="1"/>
+          </p:cNvPicPr>
+          <p:nvPr/>
+        </p:nvPicPr>
+        <p:blipFill>
+          <a:blip r:embed="rId2"/>
+          <a:stretch>
+            <a:fillRect/>
+          </a:stretch>
+        </p:blipFill>
+        <p:spPr>
+          <a:xfrm>
+            <a:off x="904823" y="1465161"/>
+            <a:ext cx="3619626" cy="2369132"/>
+          </a:xfrm>
+          <a:prstGeom prst="rect">
+            <a:avLst/>
+          </a:prstGeom>
+        </p:spPr>
+      </p:pic>
+      <p:pic>
+        <p:nvPicPr>
+          <p:cNvPr id="7" name="Picture 6">
+            <a:extLst>
+              <a:ext uri="{FF2B5EF4-FFF2-40B4-BE49-F238E27FC236}">
+                <a16:creationId xmlns:a16="http://schemas.microsoft.com/office/drawing/2014/main" id="{158C79D1-A6F0-CBCB-8077-FCD40EB123A2}"/>
+              </a:ext>
+            </a:extLst>
+          </p:cNvPr>
+          <p:cNvPicPr>
+            <a:picLocks noChangeAspect="1"/>
+          </p:cNvPicPr>
+          <p:nvPr/>
+        </p:nvPicPr>
+        <p:blipFill>
+          <a:blip r:embed="rId3"/>
+          <a:srcRect r="1482"/>
+          <a:stretch/>
+        </p:blipFill>
+        <p:spPr>
+          <a:xfrm>
+            <a:off x="904823" y="3834293"/>
+            <a:ext cx="3670426" cy="2381838"/>
+          </a:xfrm>
+          <a:prstGeom prst="rect">
+            <a:avLst/>
+          </a:prstGeom>
+          <a:ln>
+            <a:solidFill>
+              <a:schemeClr val="bg1"/>
+            </a:solidFill>
+          </a:ln>
+        </p:spPr>
+      </p:pic>
     </p:spTree>
     <p:extLst>
       <p:ext uri="{BB962C8B-B14F-4D97-AF65-F5344CB8AC3E}">
@@ -8704,15 +9509,6 @@
 </file>
 
 <file path=customXml/item1.xml><?xml version="1.0" encoding="utf-8"?>
-<?mso-contentType ?>
-<FormTemplates xmlns="http://schemas.microsoft.com/sharepoint/v3/contenttype/forms">
-  <Display>DocumentLibraryForm</Display>
-  <Edit>DocumentLibraryForm</Edit>
-  <New>DocumentLibraryForm</New>
-</FormTemplates>
-</file>
-
-<file path=customXml/item2.xml><?xml version="1.0" encoding="utf-8"?>
 <p:properties xmlns:p="http://schemas.microsoft.com/office/2006/metadata/properties" xmlns:xsi="http://www.w3.org/2001/XMLSchema-instance" xmlns:pc="http://schemas.microsoft.com/office/infopath/2007/PartnerControls">
   <documentManagement>
     <SharedWithUsers xmlns="f4b40361-4f1c-4c9c-9d3c-9ae9ce844684">
@@ -8730,6 +9526,15 @@
     <_activity xmlns="33266c22-92fa-41ab-800c-5ae3cee8d0fd" xsi:nil="true"/>
   </documentManagement>
 </p:properties>
+</file>
+
+<file path=customXml/item2.xml><?xml version="1.0" encoding="utf-8"?>
+<?mso-contentType ?>
+<FormTemplates xmlns="http://schemas.microsoft.com/sharepoint/v3/contenttype/forms">
+  <Display>DocumentLibraryForm</Display>
+  <Edit>DocumentLibraryForm</Edit>
+  <New>DocumentLibraryForm</New>
+</FormTemplates>
 </file>
 
 <file path=customXml/item3.xml><?xml version="1.0" encoding="utf-8"?>
@@ -8954,14 +9759,6 @@
 </file>
 
 <file path=customXml/itemProps1.xml><?xml version="1.0" encoding="utf-8"?>
-<ds:datastoreItem xmlns:ds="http://schemas.openxmlformats.org/officeDocument/2006/customXml" ds:itemID="{B1379BBF-6672-4ABD-B16E-D222A38B6B94}">
-  <ds:schemaRefs>
-    <ds:schemaRef ds:uri="http://schemas.microsoft.com/sharepoint/v3/contenttype/forms"/>
-  </ds:schemaRefs>
-</ds:datastoreItem>
-</file>
-
-<file path=customXml/itemProps2.xml><?xml version="1.0" encoding="utf-8"?>
 <ds:datastoreItem xmlns:ds="http://schemas.openxmlformats.org/officeDocument/2006/customXml" ds:itemID="{836ABDF2-BD05-4010-80BA-3DB41DBF8678}">
   <ds:schemaRefs>
     <ds:schemaRef ds:uri="http://purl.org/dc/elements/1.1/"/>
@@ -8974,6 +9771,14 @@
     <ds:schemaRef ds:uri="http://schemas.openxmlformats.org/package/2006/metadata/core-properties"/>
     <ds:schemaRef ds:uri="33266c22-92fa-41ab-800c-5ae3cee8d0fd"/>
     <ds:schemaRef ds:uri="http://purl.org/dc/terms/"/>
+  </ds:schemaRefs>
+</ds:datastoreItem>
+</file>
+
+<file path=customXml/itemProps2.xml><?xml version="1.0" encoding="utf-8"?>
+<ds:datastoreItem xmlns:ds="http://schemas.openxmlformats.org/officeDocument/2006/customXml" ds:itemID="{B1379BBF-6672-4ABD-B16E-D222A38B6B94}">
+  <ds:schemaRefs>
+    <ds:schemaRef ds:uri="http://schemas.microsoft.com/sharepoint/v3/contenttype/forms"/>
   </ds:schemaRefs>
 </ds:datastoreItem>
 </file>
